--- a/regles.pptx
+++ b/regles.pptx
@@ -114,6 +114,11 @@
       </a:defRPr>
     </a:lvl9pPr>
   </p:defaultTextStyle>
+  <p:extLst>
+    <p:ext uri="{EFAFB233-063F-42B5-8137-9DF3F51BA10A}">
+      <p15:sldGuideLst xmlns:p15="http://schemas.microsoft.com/office/powerpoint/2012/main"/>
+    </p:ext>
+  </p:extLst>
 </p:presentation>
 </file>
 
@@ -264,7 +269,7 @@
           <a:p>
             <a:fld id="{E7E98949-0549-3242-B725-62C3E0CECE1D}" type="datetimeFigureOut">
               <a:rPr lang="en-US" smtClean="0"/>
-              <a:t>3/1/18</a:t>
+              <a:t>3/3/18</a:t>
             </a:fld>
             <a:endParaRPr lang="en-US"/>
           </a:p>
@@ -462,7 +467,7 @@
           <a:p>
             <a:fld id="{E7E98949-0549-3242-B725-62C3E0CECE1D}" type="datetimeFigureOut">
               <a:rPr lang="en-US" smtClean="0"/>
-              <a:t>3/1/18</a:t>
+              <a:t>3/3/18</a:t>
             </a:fld>
             <a:endParaRPr lang="en-US"/>
           </a:p>
@@ -670,7 +675,7 @@
           <a:p>
             <a:fld id="{E7E98949-0549-3242-B725-62C3E0CECE1D}" type="datetimeFigureOut">
               <a:rPr lang="en-US" smtClean="0"/>
-              <a:t>3/1/18</a:t>
+              <a:t>3/3/18</a:t>
             </a:fld>
             <a:endParaRPr lang="en-US"/>
           </a:p>
@@ -868,7 +873,7 @@
           <a:p>
             <a:fld id="{E7E98949-0549-3242-B725-62C3E0CECE1D}" type="datetimeFigureOut">
               <a:rPr lang="en-US" smtClean="0"/>
-              <a:t>3/1/18</a:t>
+              <a:t>3/3/18</a:t>
             </a:fld>
             <a:endParaRPr lang="en-US"/>
           </a:p>
@@ -1143,7 +1148,7 @@
           <a:p>
             <a:fld id="{E7E98949-0549-3242-B725-62C3E0CECE1D}" type="datetimeFigureOut">
               <a:rPr lang="en-US" smtClean="0"/>
-              <a:t>3/1/18</a:t>
+              <a:t>3/3/18</a:t>
             </a:fld>
             <a:endParaRPr lang="en-US"/>
           </a:p>
@@ -1408,7 +1413,7 @@
           <a:p>
             <a:fld id="{E7E98949-0549-3242-B725-62C3E0CECE1D}" type="datetimeFigureOut">
               <a:rPr lang="en-US" smtClean="0"/>
-              <a:t>3/1/18</a:t>
+              <a:t>3/3/18</a:t>
             </a:fld>
             <a:endParaRPr lang="en-US"/>
           </a:p>
@@ -1820,7 +1825,7 @@
           <a:p>
             <a:fld id="{E7E98949-0549-3242-B725-62C3E0CECE1D}" type="datetimeFigureOut">
               <a:rPr lang="en-US" smtClean="0"/>
-              <a:t>3/1/18</a:t>
+              <a:t>3/3/18</a:t>
             </a:fld>
             <a:endParaRPr lang="en-US"/>
           </a:p>
@@ -1961,7 +1966,7 @@
           <a:p>
             <a:fld id="{E7E98949-0549-3242-B725-62C3E0CECE1D}" type="datetimeFigureOut">
               <a:rPr lang="en-US" smtClean="0"/>
-              <a:t>3/1/18</a:t>
+              <a:t>3/3/18</a:t>
             </a:fld>
             <a:endParaRPr lang="en-US"/>
           </a:p>
@@ -2074,7 +2079,7 @@
           <a:p>
             <a:fld id="{E7E98949-0549-3242-B725-62C3E0CECE1D}" type="datetimeFigureOut">
               <a:rPr lang="en-US" smtClean="0"/>
-              <a:t>3/1/18</a:t>
+              <a:t>3/3/18</a:t>
             </a:fld>
             <a:endParaRPr lang="en-US"/>
           </a:p>
@@ -2385,7 +2390,7 @@
           <a:p>
             <a:fld id="{E7E98949-0549-3242-B725-62C3E0CECE1D}" type="datetimeFigureOut">
               <a:rPr lang="en-US" smtClean="0"/>
-              <a:t>3/1/18</a:t>
+              <a:t>3/3/18</a:t>
             </a:fld>
             <a:endParaRPr lang="en-US"/>
           </a:p>
@@ -2673,7 +2678,7 @@
           <a:p>
             <a:fld id="{E7E98949-0549-3242-B725-62C3E0CECE1D}" type="datetimeFigureOut">
               <a:rPr lang="en-US" smtClean="0"/>
-              <a:t>3/1/18</a:t>
+              <a:t>3/3/18</a:t>
             </a:fld>
             <a:endParaRPr lang="en-US"/>
           </a:p>
@@ -2914,7 +2919,7 @@
           <a:p>
             <a:fld id="{E7E98949-0549-3242-B725-62C3E0CECE1D}" type="datetimeFigureOut">
               <a:rPr lang="en-US" smtClean="0"/>
-              <a:t>3/1/18</a:t>
+              <a:t>3/3/18</a:t>
             </a:fld>
             <a:endParaRPr lang="en-US"/>
           </a:p>
@@ -3466,31 +3471,21 @@
           <a:p>
             <a:r>
               <a:rPr lang="en-US" dirty="0"/>
-              <a:t>In each tick score points are gained</a:t>
-            </a:r>
-          </a:p>
-          <a:p>
-            <a:r>
-              <a:rPr lang="en-US" dirty="0"/>
               <a:t>Score points are divided into individual and team score points</a:t>
             </a:r>
           </a:p>
           <a:p>
             <a:r>
               <a:rPr lang="en-US" dirty="0"/>
-              <a:t>X score points are gained each tick. This is called the baseline</a:t>
-            </a:r>
-          </a:p>
-          <a:p>
-            <a:r>
-              <a:rPr lang="en-US" dirty="0"/>
-              <a:t>Multipliers are added to the baseline</a:t>
-            </a:r>
-          </a:p>
-          <a:p>
-            <a:r>
-              <a:rPr lang="en-US" dirty="0"/>
-              <a:t>Individual score multipliers are dependent on the actions of the individual</a:t>
+              <a:t>Individual </a:t>
+            </a:r>
+            <a:r>
+              <a:rPr lang="en-US"/>
+              <a:t>score  </a:t>
+            </a:r>
+            <a:r>
+              <a:rPr lang="en-US" dirty="0"/>
+              <a:t>are dependent on the actions of the individual</a:t>
             </a:r>
           </a:p>
           <a:p>
@@ -3594,7 +3589,7 @@
           <a:p>
             <a:r>
               <a:rPr lang="en-US" dirty="0"/>
-              <a:t>4 Groups –</a:t>
+              <a:t>4 Categories –</a:t>
             </a:r>
           </a:p>
           <a:p>
